--- a/src/test/resources/ppt/JCAT FW  features.pptx
+++ b/src/test/resources/ppt/JCAT FW  features.pptx
@@ -9,9 +9,10 @@
     <p:sldId id="257" r:id="rId3"/>
     <p:sldId id="258" r:id="rId4"/>
     <p:sldId id="259" r:id="rId5"/>
-    <p:sldId id="260" r:id="rId6"/>
-    <p:sldId id="261" r:id="rId7"/>
-    <p:sldId id="262" r:id="rId8"/>
+    <p:sldId id="263" r:id="rId6"/>
+    <p:sldId id="260" r:id="rId7"/>
+    <p:sldId id="261" r:id="rId8"/>
+    <p:sldId id="262" r:id="rId9"/>
   </p:sldIdLst>
   <p:sldSz cx="9144000" cy="6858000" type="screen4x3"/>
   <p:notesSz cx="6858000" cy="9144000"/>
@@ -110,6 +111,22 @@
       </a:defRPr>
     </a:lvl9pPr>
   </p:defaultTextStyle>
+  <p:extLst>
+    <p:ext uri="{EFAFB233-063F-42B5-8137-9DF3F51BA10A}">
+      <p15:sldGuideLst xmlns:p15="http://schemas.microsoft.com/office/powerpoint/2012/main">
+        <p15:guide id="1" orient="horz" pos="2160">
+          <p15:clr>
+            <a:srgbClr val="A4A3A4"/>
+          </p15:clr>
+        </p15:guide>
+        <p15:guide id="2" pos="2880">
+          <p15:clr>
+            <a:srgbClr val="A4A3A4"/>
+          </p15:clr>
+        </p15:guide>
+      </p15:sldGuideLst>
+    </p:ext>
+  </p:extLst>
 </p:presentation>
 </file>
 
@@ -294,7 +311,7 @@
           <a:p>
             <a:fld id="{B4C71EC6-210F-42DE-9C53-41977AD35B3D}" type="datetimeFigureOut">
               <a:rPr lang="ru-RU" smtClean="0"/>
-              <a:t>31.08.2018</a:t>
+              <a:t>04.09.2018</a:t>
             </a:fld>
             <a:endParaRPr lang="ru-RU"/>
           </a:p>
@@ -459,7 +476,7 @@
           <a:p>
             <a:fld id="{B4C71EC6-210F-42DE-9C53-41977AD35B3D}" type="datetimeFigureOut">
               <a:rPr lang="ru-RU" smtClean="0"/>
-              <a:t>31.08.2018</a:t>
+              <a:t>04.09.2018</a:t>
             </a:fld>
             <a:endParaRPr lang="ru-RU"/>
           </a:p>
@@ -634,7 +651,7 @@
           <a:p>
             <a:fld id="{B4C71EC6-210F-42DE-9C53-41977AD35B3D}" type="datetimeFigureOut">
               <a:rPr lang="ru-RU" smtClean="0"/>
-              <a:t>31.08.2018</a:t>
+              <a:t>04.09.2018</a:t>
             </a:fld>
             <a:endParaRPr lang="ru-RU"/>
           </a:p>
@@ -799,7 +816,7 @@
           <a:p>
             <a:fld id="{B4C71EC6-210F-42DE-9C53-41977AD35B3D}" type="datetimeFigureOut">
               <a:rPr lang="ru-RU" smtClean="0"/>
-              <a:t>31.08.2018</a:t>
+              <a:t>04.09.2018</a:t>
             </a:fld>
             <a:endParaRPr lang="ru-RU"/>
           </a:p>
@@ -1040,7 +1057,7 @@
           <a:p>
             <a:fld id="{B4C71EC6-210F-42DE-9C53-41977AD35B3D}" type="datetimeFigureOut">
               <a:rPr lang="ru-RU" smtClean="0"/>
-              <a:t>31.08.2018</a:t>
+              <a:t>04.09.2018</a:t>
             </a:fld>
             <a:endParaRPr lang="ru-RU"/>
           </a:p>
@@ -1323,7 +1340,7 @@
           <a:p>
             <a:fld id="{B4C71EC6-210F-42DE-9C53-41977AD35B3D}" type="datetimeFigureOut">
               <a:rPr lang="ru-RU" smtClean="0"/>
-              <a:t>31.08.2018</a:t>
+              <a:t>04.09.2018</a:t>
             </a:fld>
             <a:endParaRPr lang="ru-RU"/>
           </a:p>
@@ -1740,7 +1757,7 @@
           <a:p>
             <a:fld id="{B4C71EC6-210F-42DE-9C53-41977AD35B3D}" type="datetimeFigureOut">
               <a:rPr lang="ru-RU" smtClean="0"/>
-              <a:t>31.08.2018</a:t>
+              <a:t>04.09.2018</a:t>
             </a:fld>
             <a:endParaRPr lang="ru-RU"/>
           </a:p>
@@ -1853,7 +1870,7 @@
           <a:p>
             <a:fld id="{B4C71EC6-210F-42DE-9C53-41977AD35B3D}" type="datetimeFigureOut">
               <a:rPr lang="ru-RU" smtClean="0"/>
-              <a:t>31.08.2018</a:t>
+              <a:t>04.09.2018</a:t>
             </a:fld>
             <a:endParaRPr lang="ru-RU"/>
           </a:p>
@@ -1943,7 +1960,7 @@
           <a:p>
             <a:fld id="{B4C71EC6-210F-42DE-9C53-41977AD35B3D}" type="datetimeFigureOut">
               <a:rPr lang="ru-RU" smtClean="0"/>
-              <a:t>31.08.2018</a:t>
+              <a:t>04.09.2018</a:t>
             </a:fld>
             <a:endParaRPr lang="ru-RU"/>
           </a:p>
@@ -2215,7 +2232,7 @@
           <a:p>
             <a:fld id="{B4C71EC6-210F-42DE-9C53-41977AD35B3D}" type="datetimeFigureOut">
               <a:rPr lang="ru-RU" smtClean="0"/>
-              <a:t>31.08.2018</a:t>
+              <a:t>04.09.2018</a:t>
             </a:fld>
             <a:endParaRPr lang="ru-RU"/>
           </a:p>
@@ -2463,7 +2480,7 @@
           <a:p>
             <a:fld id="{B4C71EC6-210F-42DE-9C53-41977AD35B3D}" type="datetimeFigureOut">
               <a:rPr lang="ru-RU" smtClean="0"/>
-              <a:t>31.08.2018</a:t>
+              <a:t>04.09.2018</a:t>
             </a:fld>
             <a:endParaRPr lang="ru-RU"/>
           </a:p>
@@ -2671,7 +2688,7 @@
           <a:p>
             <a:fld id="{B4C71EC6-210F-42DE-9C53-41977AD35B3D}" type="datetimeFigureOut">
               <a:rPr lang="ru-RU" smtClean="0"/>
-              <a:t>31.08.2018</a:t>
+              <a:t>04.09.2018</a:t>
             </a:fld>
             <a:endParaRPr lang="ru-RU"/>
           </a:p>
@@ -3915,64 +3932,20 @@
           <a:p>
             <a:r>
               <a:rPr lang="en-US" dirty="0"/>
-              <a:t>JCAT Specified Annotations</a:t>
+              <a:t>JCAT </a:t>
+            </a:r>
+            <a:r>
+              <a:rPr lang="en-US" dirty="0" err="1" smtClean="0"/>
+              <a:t>SoF</a:t>
             </a:r>
             <a:endParaRPr lang="ru-RU" dirty="0"/>
-          </a:p>
-        </p:txBody>
-      </p:sp>
-      <p:sp>
-        <p:nvSpPr>
-          <p:cNvPr id="3" name="Прямоугольник 2"/>
-          <p:cNvSpPr/>
-          <p:nvPr/>
-        </p:nvSpPr>
-        <p:spPr>
-          <a:xfrm>
-            <a:off x="539552" y="1124744"/>
-            <a:ext cx="8424936" cy="2031325"/>
-          </a:xfrm>
-          <a:prstGeom prst="rect">
-            <a:avLst/>
-          </a:prstGeom>
-        </p:spPr>
-        <p:txBody>
-          <a:bodyPr wrap="square">
-            <a:spAutoFit/>
-          </a:bodyPr>
-          <a:lstStyle/>
-          <a:p>
-            <a:r>
-              <a:rPr lang="en-US" dirty="0"/>
-              <a:t>@Setup and @Teardown</a:t>
-            </a:r>
-          </a:p>
-          <a:p>
-            <a:endParaRPr lang="en-US" dirty="0"/>
-          </a:p>
-          <a:p>
-            <a:r>
-              <a:rPr lang="en-US" dirty="0"/>
-              <a:t>@Setup and @Teardown are JCAT defined annotations and behave similar to </a:t>
-            </a:r>
-            <a:r>
-              <a:rPr lang="en-US" dirty="0" err="1"/>
-              <a:t>JUnit</a:t>
-            </a:r>
-            <a:r>
-              <a:rPr lang="en-US" dirty="0"/>
-              <a:t> setup and teardown methods. Logs from @Setup and @Teardown will be part of the test case log. If @Setup or @Teardown fails, the enclosed test case fails. Some detailed descriptions can be find below.</a:t>
-            </a:r>
-          </a:p>
-          <a:p>
-            <a:endParaRPr lang="en-US" dirty="0"/>
           </a:p>
         </p:txBody>
       </p:sp>
     </p:spTree>
     <p:extLst>
       <p:ext uri="{BB962C8B-B14F-4D97-AF65-F5344CB8AC3E}">
-        <p14:creationId xmlns:p14="http://schemas.microsoft.com/office/powerpoint/2010/main" val="820292960"/>
+        <p14:creationId xmlns:p14="http://schemas.microsoft.com/office/powerpoint/2010/main" val="2685883884"/>
       </p:ext>
     </p:extLst>
   </p:cSld>
@@ -4037,6 +4010,114 @@
         </p:nvSpPr>
         <p:spPr>
           <a:xfrm>
+            <a:off x="539552" y="1124744"/>
+            <a:ext cx="8424936" cy="2031325"/>
+          </a:xfrm>
+          <a:prstGeom prst="rect">
+            <a:avLst/>
+          </a:prstGeom>
+        </p:spPr>
+        <p:txBody>
+          <a:bodyPr wrap="square">
+            <a:spAutoFit/>
+          </a:bodyPr>
+          <a:lstStyle/>
+          <a:p>
+            <a:r>
+              <a:rPr lang="en-US" dirty="0"/>
+              <a:t>@Setup and @Teardown</a:t>
+            </a:r>
+          </a:p>
+          <a:p>
+            <a:endParaRPr lang="en-US" dirty="0"/>
+          </a:p>
+          <a:p>
+            <a:r>
+              <a:rPr lang="en-US" dirty="0"/>
+              <a:t>@Setup and @Teardown are JCAT defined annotations and behave similar to </a:t>
+            </a:r>
+            <a:r>
+              <a:rPr lang="en-US" dirty="0" err="1"/>
+              <a:t>JUnit</a:t>
+            </a:r>
+            <a:r>
+              <a:rPr lang="en-US" dirty="0"/>
+              <a:t> setup and teardown methods. Logs from @Setup and @Teardown will be part of the test case log. If @Setup or @Teardown fails, the enclosed test case fails. Some detailed descriptions can be find below.</a:t>
+            </a:r>
+          </a:p>
+          <a:p>
+            <a:endParaRPr lang="en-US" dirty="0"/>
+          </a:p>
+        </p:txBody>
+      </p:sp>
+    </p:spTree>
+    <p:extLst>
+      <p:ext uri="{BB962C8B-B14F-4D97-AF65-F5344CB8AC3E}">
+        <p14:creationId xmlns:p14="http://schemas.microsoft.com/office/powerpoint/2010/main" val="820292960"/>
+      </p:ext>
+    </p:extLst>
+  </p:cSld>
+  <p:clrMapOvr>
+    <a:masterClrMapping/>
+  </p:clrMapOvr>
+</p:sld>
+</file>
+
+<file path=ppt/slides/slide7.xml><?xml version="1.0" encoding="utf-8"?>
+<p:sld xmlns:a="http://schemas.openxmlformats.org/drawingml/2006/main" xmlns:r="http://schemas.openxmlformats.org/officeDocument/2006/relationships" xmlns:p="http://schemas.openxmlformats.org/presentationml/2006/main">
+  <p:cSld>
+    <p:spTree>
+      <p:nvGrpSpPr>
+        <p:cNvPr id="1" name=""/>
+        <p:cNvGrpSpPr/>
+        <p:nvPr/>
+      </p:nvGrpSpPr>
+      <p:grpSpPr>
+        <a:xfrm>
+          <a:off x="0" y="0"/>
+          <a:ext cx="0" cy="0"/>
+          <a:chOff x="0" y="0"/>
+          <a:chExt cx="0" cy="0"/>
+        </a:xfrm>
+      </p:grpSpPr>
+      <p:sp>
+        <p:nvSpPr>
+          <p:cNvPr id="2" name="Заголовок 1"/>
+          <p:cNvSpPr>
+            <a:spLocks noGrp="1"/>
+          </p:cNvSpPr>
+          <p:nvPr>
+            <p:ph type="ctrTitle"/>
+          </p:nvPr>
+        </p:nvSpPr>
+        <p:spPr>
+          <a:xfrm>
+            <a:off x="683568" y="260648"/>
+            <a:ext cx="7772400" cy="576064"/>
+          </a:xfrm>
+        </p:spPr>
+        <p:txBody>
+          <a:bodyPr>
+            <a:normAutofit fontScale="90000"/>
+          </a:bodyPr>
+          <a:lstStyle/>
+          <a:p>
+            <a:r>
+              <a:rPr lang="en-US" dirty="0"/>
+              <a:t>JCAT Specified Annotations</a:t>
+            </a:r>
+            <a:endParaRPr lang="ru-RU" dirty="0"/>
+          </a:p>
+        </p:txBody>
+      </p:sp>
+      <p:sp>
+        <p:nvSpPr>
+          <p:cNvPr id="3" name="Прямоугольник 2"/>
+          <p:cNvSpPr/>
+          <p:nvPr/>
+        </p:nvSpPr>
+        <p:spPr>
+          <a:xfrm>
             <a:off x="323528" y="1412776"/>
             <a:ext cx="8424936" cy="4247317"/>
           </a:xfrm>
@@ -4163,7 +4244,6 @@
               <a:rPr lang="en-US" dirty="0"/>
               <a:t> annotated methods in the complete class hierarchy and invoke all of them. </a:t>
             </a:r>
-            <a:endParaRPr lang="en-US" dirty="0"/>
           </a:p>
         </p:txBody>
       </p:sp>
@@ -4180,7 +4260,7 @@
 </p:sld>
 </file>
 
-<file path=ppt/slides/slide7.xml><?xml version="1.0" encoding="utf-8"?>
+<file path=ppt/slides/slide8.xml><?xml version="1.0" encoding="utf-8"?>
 <p:sld xmlns:a="http://schemas.openxmlformats.org/drawingml/2006/main" xmlns:r="http://schemas.openxmlformats.org/officeDocument/2006/relationships" xmlns:p="http://schemas.openxmlformats.org/presentationml/2006/main">
   <p:cSld>
     <p:spTree>
